--- a/how_to_python.pptx
+++ b/how_to_python.pptx
@@ -5,7 +5,7 @@
     <p:sldMasterId id="2147483799" r:id="rId1"/>
   </p:sldMasterIdLst>
   <p:notesMasterIdLst>
-    <p:notesMasterId r:id="rId18"/>
+    <p:notesMasterId r:id="rId17"/>
   </p:notesMasterIdLst>
   <p:sldIdLst>
     <p:sldId id="256" r:id="rId2"/>
@@ -22,8 +22,7 @@
     <p:sldId id="267" r:id="rId13"/>
     <p:sldId id="268" r:id="rId14"/>
     <p:sldId id="271" r:id="rId15"/>
-    <p:sldId id="269" r:id="rId16"/>
-    <p:sldId id="270" r:id="rId17"/>
+    <p:sldId id="270" r:id="rId16"/>
   </p:sldIdLst>
   <p:sldSz cx="9144000" cy="5143500" type="screen16x9"/>
   <p:notesSz cx="6858000" cy="9144000"/>
@@ -122,7 +121,16 @@
       </a:defRPr>
     </a:lvl9pPr>
   </p:defaultTextStyle>
+  <p:extLst>
+    <p:ext uri="{EFAFB233-063F-42B5-8137-9DF3F51BA10A}">
+      <p15:sldGuideLst xmlns:p15="http://schemas.microsoft.com/office/powerpoint/2012/main"/>
+    </p:ext>
+  </p:extLst>
 </p:presentation>
+</file>
+
+<file path=ppt/revisionInfo.xml><?xml version="1.0" encoding="utf-8"?>
+<p1510:revInfo xmlns:a="http://schemas.openxmlformats.org/drawingml/2006/main" xmlns:r="http://schemas.openxmlformats.org/officeDocument/2006/relationships" xmlns:p1510="http://schemas.microsoft.com/office/powerpoint/2015/10/main"/>
 </file>
 
 <file path=ppt/notesMasters/notesMaster1.xml><?xml version="1.0" encoding="utf-8"?>
@@ -1085,110 +1093,6 @@
 </file>
 
 <file path=ppt/notesSlides/notesSlide14.xml><?xml version="1.0" encoding="utf-8"?>
-<p:notes xmlns:a="http://schemas.openxmlformats.org/drawingml/2006/main" xmlns:r="http://schemas.openxmlformats.org/officeDocument/2006/relationships" xmlns:p="http://schemas.openxmlformats.org/presentationml/2006/main" showMasterSp="0" showMasterPhAnim="0">
-  <p:cSld>
-    <p:spTree>
-      <p:nvGrpSpPr>
-        <p:cNvPr id="1" name="Shape 138"/>
-        <p:cNvGrpSpPr/>
-        <p:nvPr/>
-      </p:nvGrpSpPr>
-      <p:grpSpPr>
-        <a:xfrm>
-          <a:off x="0" y="0"/>
-          <a:ext cx="0" cy="0"/>
-          <a:chOff x="0" y="0"/>
-          <a:chExt cx="0" cy="0"/>
-        </a:xfrm>
-      </p:grpSpPr>
-      <p:sp>
-        <p:nvSpPr>
-          <p:cNvPr id="139" name="Shape 139"/>
-          <p:cNvSpPr>
-            <a:spLocks noGrp="1" noRot="1" noChangeAspect="1"/>
-          </p:cNvSpPr>
-          <p:nvPr>
-            <p:ph type="sldImg" idx="2"/>
-          </p:nvPr>
-        </p:nvSpPr>
-        <p:spPr>
-          <a:xfrm>
-            <a:off x="381000" y="685800"/>
-            <a:ext cx="6096000" cy="3429000"/>
-          </a:xfrm>
-          <a:custGeom>
-            <a:avLst/>
-            <a:gdLst/>
-            <a:ahLst/>
-            <a:cxnLst/>
-            <a:rect l="0" t="0" r="0" b="0"/>
-            <a:pathLst>
-              <a:path w="120000" h="120000" extrusionOk="0">
-                <a:moveTo>
-                  <a:pt x="0" y="0"/>
-                </a:moveTo>
-                <a:lnTo>
-                  <a:pt x="120000" y="0"/>
-                </a:lnTo>
-                <a:lnTo>
-                  <a:pt x="120000" y="120000"/>
-                </a:lnTo>
-                <a:lnTo>
-                  <a:pt x="0" y="120000"/>
-                </a:lnTo>
-                <a:close/>
-              </a:path>
-            </a:pathLst>
-          </a:custGeom>
-        </p:spPr>
-      </p:sp>
-      <p:sp>
-        <p:nvSpPr>
-          <p:cNvPr id="140" name="Shape 140"/>
-          <p:cNvSpPr txBox="1">
-            <a:spLocks noGrp="1"/>
-          </p:cNvSpPr>
-          <p:nvPr>
-            <p:ph type="body" idx="1"/>
-          </p:nvPr>
-        </p:nvSpPr>
-        <p:spPr>
-          <a:xfrm>
-            <a:off x="685800" y="4343400"/>
-            <a:ext cx="5486400" cy="4114800"/>
-          </a:xfrm>
-          <a:prstGeom prst="rect">
-            <a:avLst/>
-          </a:prstGeom>
-        </p:spPr>
-        <p:txBody>
-          <a:bodyPr spcFirstLastPara="1" wrap="square" lIns="91425" tIns="91425" rIns="91425" bIns="91425" anchor="t" anchorCtr="0">
-            <a:noAutofit/>
-          </a:bodyPr>
-          <a:lstStyle/>
-          <a:p>
-            <a:pPr marL="0" lvl="0" indent="0">
-              <a:spcBef>
-                <a:spcPts val="0"/>
-              </a:spcBef>
-              <a:spcAft>
-                <a:spcPts val="0"/>
-              </a:spcAft>
-              <a:buNone/>
-            </a:pPr>
-            <a:endParaRPr/>
-          </a:p>
-        </p:txBody>
-      </p:sp>
-    </p:spTree>
-  </p:cSld>
-  <p:clrMapOvr>
-    <a:masterClrMapping/>
-  </p:clrMapOvr>
-</p:notes>
-</file>
-
-<file path=ppt/notesSlides/notesSlide15.xml><?xml version="1.0" encoding="utf-8"?>
 <p:notes xmlns:a="http://schemas.openxmlformats.org/drawingml/2006/main" xmlns:r="http://schemas.openxmlformats.org/officeDocument/2006/relationships" xmlns:p="http://schemas.openxmlformats.org/presentationml/2006/main" showMasterSp="0" showMasterPhAnim="0">
   <p:cSld>
     <p:spTree>
@@ -6271,8 +6175,8 @@
         </p:nvSpPr>
         <p:spPr>
           <a:xfrm>
-            <a:off x="189571" y="4114800"/>
-            <a:ext cx="3077736" cy="369332"/>
+            <a:off x="-4471" y="3271519"/>
+            <a:ext cx="3508319" cy="1384995"/>
           </a:xfrm>
           <a:prstGeom prst="rect">
             <a:avLst/>
@@ -6287,22 +6191,37 @@
           <a:p>
             <a:r>
               <a:rPr lang="en-US" dirty="0"/>
-              <a:t>From Ross </a:t>
-            </a:r>
-            <a:r>
-              <a:rPr lang="en-US" dirty="0" err="1"/>
+              <a:t>		Emily Pease</a:t>
+            </a:r>
+          </a:p>
+          <a:p>
+            <a:endParaRPr lang="en-US" dirty="0"/>
+          </a:p>
+          <a:p>
+            <a:endParaRPr lang="en-US" dirty="0"/>
+          </a:p>
+          <a:p>
+            <a:endParaRPr lang="en-US" dirty="0"/>
+          </a:p>
+          <a:p>
+            <a:r>
+              <a:rPr lang="en-US" sz="1200" dirty="0"/>
+              <a:t>Modified from Ross </a:t>
+            </a:r>
+            <a:r>
+              <a:rPr lang="en-US" sz="1200" dirty="0" err="1"/>
               <a:t>Kushnereit</a:t>
             </a:r>
             <a:r>
-              <a:rPr lang="en-US" dirty="0"/>
+              <a:rPr lang="en-US" sz="1200" dirty="0"/>
               <a:t>, </a:t>
             </a:r>
             <a:r>
-              <a:rPr lang="en-US" dirty="0" err="1"/>
+              <a:rPr lang="en-US" sz="1200" dirty="0" err="1"/>
               <a:t>Intera</a:t>
             </a:r>
             <a:r>
-              <a:rPr lang="en-US" dirty="0"/>
+              <a:rPr lang="en-US" sz="1200" dirty="0"/>
               <a:t> </a:t>
             </a:r>
           </a:p>
@@ -6869,6 +6788,10 @@
               <a:buNone/>
             </a:pPr>
             <a:r>
+              <a:rPr lang="en-US" dirty="0"/>
+              <a:t>J</a:t>
+            </a:r>
+            <a:r>
               <a:rPr lang="en" dirty="0"/>
               <a:t>upyter notebooks (prev ipython notebooks) </a:t>
             </a:r>
@@ -6924,7 +6847,7 @@
             </a:r>
             <a:r>
               <a:rPr lang="en" dirty="0"/>
-              <a:t>and type “jupyter notebook” and boom! Everything should work!  </a:t>
+              <a:t>and type “jupyter notebook” and boom! Everything should work.  </a:t>
             </a:r>
             <a:r>
               <a:rPr lang="en-US" dirty="0"/>
@@ -6986,7 +6909,7 @@
             </a:r>
             <a:r>
               <a:rPr lang="en-US" dirty="0"/>
-              <a:t> IDE	</a:t>
+              <a:t> IDE (Community Edition)	</a:t>
             </a:r>
           </a:p>
         </p:txBody>
@@ -7019,6 +6942,12 @@
             <a:r>
               <a:rPr lang="en-US" dirty="0"/>
               <a:t> is where I write and debug my python code. </a:t>
+            </a:r>
+          </a:p>
+          <a:p>
+            <a:r>
+              <a:rPr lang="en-US" dirty="0"/>
+              <a:t>You shouldn’t need IT permission to download this </a:t>
             </a:r>
           </a:p>
         </p:txBody>
@@ -7037,211 +6966,6 @@
 </file>
 
 <file path=ppt/slides/slide15.xml><?xml version="1.0" encoding="utf-8"?>
-<p:sld xmlns:a="http://schemas.openxmlformats.org/drawingml/2006/main" xmlns:r="http://schemas.openxmlformats.org/officeDocument/2006/relationships" xmlns:p="http://schemas.openxmlformats.org/presentationml/2006/main">
-  <p:cSld>
-    <p:spTree>
-      <p:nvGrpSpPr>
-        <p:cNvPr id="1" name="Shape 141"/>
-        <p:cNvGrpSpPr/>
-        <p:nvPr/>
-      </p:nvGrpSpPr>
-      <p:grpSpPr>
-        <a:xfrm>
-          <a:off x="0" y="0"/>
-          <a:ext cx="0" cy="0"/>
-          <a:chOff x="0" y="0"/>
-          <a:chExt cx="0" cy="0"/>
-        </a:xfrm>
-      </p:grpSpPr>
-      <p:sp>
-        <p:nvSpPr>
-          <p:cNvPr id="142" name="Shape 142"/>
-          <p:cNvSpPr txBox="1">
-            <a:spLocks noGrp="1"/>
-          </p:cNvSpPr>
-          <p:nvPr>
-            <p:ph type="title"/>
-          </p:nvPr>
-        </p:nvSpPr>
-        <p:spPr>
-          <a:prstGeom prst="rect">
-            <a:avLst/>
-          </a:prstGeom>
-        </p:spPr>
-        <p:txBody>
-          <a:bodyPr spcFirstLastPara="1" wrap="square" lIns="91425" tIns="91425" rIns="91425" bIns="91425" anchor="t" anchorCtr="0">
-            <a:noAutofit/>
-          </a:bodyPr>
-          <a:lstStyle/>
-          <a:p>
-            <a:pPr marL="0" lvl="0" indent="0">
-              <a:spcBef>
-                <a:spcPts val="0"/>
-              </a:spcBef>
-              <a:spcAft>
-                <a:spcPts val="0"/>
-              </a:spcAft>
-              <a:buNone/>
-            </a:pPr>
-            <a:r>
-              <a:rPr lang="en"/>
-              <a:t>Side note </a:t>
-            </a:r>
-            <a:endParaRPr/>
-          </a:p>
-        </p:txBody>
-      </p:sp>
-      <p:sp>
-        <p:nvSpPr>
-          <p:cNvPr id="143" name="Shape 143"/>
-          <p:cNvSpPr txBox="1">
-            <a:spLocks noGrp="1"/>
-          </p:cNvSpPr>
-          <p:nvPr>
-            <p:ph type="body" idx="1"/>
-          </p:nvPr>
-        </p:nvSpPr>
-        <p:spPr>
-          <a:prstGeom prst="rect">
-            <a:avLst/>
-          </a:prstGeom>
-        </p:spPr>
-        <p:txBody>
-          <a:bodyPr spcFirstLastPara="1" wrap="square" lIns="91425" tIns="91425" rIns="91425" bIns="91425" anchor="t" anchorCtr="0">
-            <a:noAutofit/>
-          </a:bodyPr>
-          <a:lstStyle/>
-          <a:p>
-            <a:pPr marL="0" lvl="0" indent="0" rtl="0">
-              <a:lnSpc>
-                <a:spcPct val="100000"/>
-              </a:lnSpc>
-              <a:spcBef>
-                <a:spcPts val="0"/>
-              </a:spcBef>
-              <a:spcAft>
-                <a:spcPts val="0"/>
-              </a:spcAft>
-              <a:buNone/>
-            </a:pPr>
-            <a:r>
-              <a:rPr lang="en" sz="2800">
-                <a:solidFill>
-                  <a:schemeClr val="dk1"/>
-                </a:solidFill>
-              </a:rPr>
-              <a:t>If the modflow executables are not working, you may have to download them yourself, from the USGS website or from pymake if you are using OSX or Linux </a:t>
-            </a:r>
-            <a:endParaRPr sz="2800">
-              <a:solidFill>
-                <a:schemeClr val="dk1"/>
-              </a:solidFill>
-            </a:endParaRPr>
-          </a:p>
-          <a:p>
-            <a:pPr marL="0" lvl="0" indent="0" rtl="0">
-              <a:lnSpc>
-                <a:spcPct val="100000"/>
-              </a:lnSpc>
-              <a:spcBef>
-                <a:spcPts val="0"/>
-              </a:spcBef>
-              <a:spcAft>
-                <a:spcPts val="0"/>
-              </a:spcAft>
-              <a:buNone/>
-            </a:pPr>
-            <a:endParaRPr sz="2800">
-              <a:solidFill>
-                <a:schemeClr val="dk1"/>
-              </a:solidFill>
-            </a:endParaRPr>
-          </a:p>
-          <a:p>
-            <a:pPr marL="0" lvl="0" indent="0" rtl="0">
-              <a:lnSpc>
-                <a:spcPct val="100000"/>
-              </a:lnSpc>
-              <a:spcBef>
-                <a:spcPts val="0"/>
-              </a:spcBef>
-              <a:spcAft>
-                <a:spcPts val="0"/>
-              </a:spcAft>
-              <a:buNone/>
-            </a:pPr>
-            <a:r>
-              <a:rPr lang="en" sz="2800" u="sng">
-                <a:solidFill>
-                  <a:schemeClr val="hlink"/>
-                </a:solidFill>
-                <a:hlinkClick r:id="rId3"/>
-              </a:rPr>
-              <a:t>https://github.com/modflowpy/pymake</a:t>
-            </a:r>
-            <a:r>
-              <a:rPr lang="en" sz="2800">
-                <a:solidFill>
-                  <a:schemeClr val="dk1"/>
-                </a:solidFill>
-              </a:rPr>
-              <a:t> </a:t>
-            </a:r>
-            <a:endParaRPr sz="2800">
-              <a:solidFill>
-                <a:schemeClr val="dk1"/>
-              </a:solidFill>
-            </a:endParaRPr>
-          </a:p>
-          <a:p>
-            <a:pPr marL="0" lvl="0" indent="0" rtl="0">
-              <a:lnSpc>
-                <a:spcPct val="100000"/>
-              </a:lnSpc>
-              <a:spcBef>
-                <a:spcPts val="0"/>
-              </a:spcBef>
-              <a:spcAft>
-                <a:spcPts val="0"/>
-              </a:spcAft>
-              <a:buNone/>
-            </a:pPr>
-            <a:endParaRPr sz="2800">
-              <a:solidFill>
-                <a:schemeClr val="dk1"/>
-              </a:solidFill>
-            </a:endParaRPr>
-          </a:p>
-          <a:p>
-            <a:pPr marL="0" lvl="0" indent="0" rtl="0">
-              <a:lnSpc>
-                <a:spcPct val="100000"/>
-              </a:lnSpc>
-              <a:spcBef>
-                <a:spcPts val="0"/>
-              </a:spcBef>
-              <a:spcAft>
-                <a:spcPts val="0"/>
-              </a:spcAft>
-              <a:buNone/>
-            </a:pPr>
-            <a:endParaRPr sz="2800">
-              <a:solidFill>
-                <a:schemeClr val="dk1"/>
-              </a:solidFill>
-            </a:endParaRPr>
-          </a:p>
-        </p:txBody>
-      </p:sp>
-    </p:spTree>
-  </p:cSld>
-  <p:clrMapOvr>
-    <a:masterClrMapping/>
-  </p:clrMapOvr>
-</p:sld>
-</file>
-
-<file path=ppt/slides/slide16.xml><?xml version="1.0" encoding="utf-8"?>
 <p:sld xmlns:a="http://schemas.openxmlformats.org/drawingml/2006/main" xmlns:r="http://schemas.openxmlformats.org/officeDocument/2006/relationships" xmlns:p="http://schemas.openxmlformats.org/presentationml/2006/main">
   <p:cSld>
     <p:spTree>
@@ -7564,7 +7288,7 @@
         <p:spPr>
           <a:xfrm>
             <a:off x="975728" y="2027657"/>
-            <a:ext cx="4348979" cy="2157900"/>
+            <a:ext cx="5038496" cy="2157900"/>
           </a:xfrm>
           <a:prstGeom prst="rect">
             <a:avLst/>
@@ -7616,6 +7340,29 @@
             <a:r>
               <a:rPr lang="en" dirty="0"/>
               <a:t>Git</a:t>
+            </a:r>
+          </a:p>
+          <a:p>
+            <a:pPr marL="0" lvl="0" indent="0">
+              <a:spcBef>
+                <a:spcPts val="1600"/>
+              </a:spcBef>
+              <a:spcAft>
+                <a:spcPts val="0"/>
+              </a:spcAft>
+              <a:buNone/>
+            </a:pPr>
+            <a:r>
+              <a:rPr lang="en" dirty="0"/>
+              <a:t>Pycharm (or install a differ</a:t>
+            </a:r>
+            <a:r>
+              <a:rPr lang="en-US" dirty="0" err="1"/>
+              <a:t>ent</a:t>
+            </a:r>
+            <a:r>
+              <a:rPr lang="en-US" dirty="0"/>
+              <a:t> text editor of your choice)</a:t>
             </a:r>
             <a:endParaRPr dirty="0"/>
           </a:p>
@@ -8033,6 +7780,10 @@
           </p:nvPr>
         </p:nvSpPr>
         <p:spPr>
+          <a:xfrm>
+            <a:off x="311700" y="1152475"/>
+            <a:ext cx="4408983" cy="3416400"/>
+          </a:xfrm>
           <a:prstGeom prst="rect">
             <a:avLst/>
           </a:prstGeom>
@@ -8078,22 +7829,7 @@
             </a:pPr>
             <a:r>
               <a:rPr lang="en" dirty="0"/>
-              <a:t>Another good place to put it would be immediately after</a:t>
-            </a:r>
-          </a:p>
-          <a:p>
-            <a:pPr marL="0" lvl="0" indent="0">
-              <a:spcBef>
-                <a:spcPts val="1600"/>
-              </a:spcBef>
-              <a:spcAft>
-                <a:spcPts val="0"/>
-              </a:spcAft>
-              <a:buNone/>
-            </a:pPr>
-            <a:r>
-              <a:rPr lang="en" dirty="0"/>
-              <a:t> your username instead of in AppData\.... </a:t>
+              <a:t>Another good place to put it would be immediately after your username instead of in AppData\.... </a:t>
             </a:r>
           </a:p>
           <a:p>
@@ -8130,8 +7866,8 @@
         </p:blipFill>
         <p:spPr>
           <a:xfrm>
-            <a:off x="4822024" y="1770449"/>
-            <a:ext cx="4321975" cy="3373050"/>
+            <a:off x="4632007" y="1100253"/>
+            <a:ext cx="4200293" cy="3299832"/>
           </a:xfrm>
           <a:prstGeom prst="rect">
             <a:avLst/>
